--- a/study1.pptx
+++ b/study1.pptx
@@ -261,7 +261,7 @@
           <a:p>
             <a:fld id="{EC599A8C-E15F-453B-9A2E-7E4A9F990082}" type="datetimeFigureOut">
               <a:rPr lang="fr-FR" smtClean="0"/>
-              <a:t>21/09/2021</a:t>
+              <a:t>11/10/2021</a:t>
             </a:fld>
             <a:endParaRPr lang="fr-FR"/>
           </a:p>
@@ -459,7 +459,7 @@
           <a:p>
             <a:fld id="{EC599A8C-E15F-453B-9A2E-7E4A9F990082}" type="datetimeFigureOut">
               <a:rPr lang="fr-FR" smtClean="0"/>
-              <a:t>21/09/2021</a:t>
+              <a:t>11/10/2021</a:t>
             </a:fld>
             <a:endParaRPr lang="fr-FR"/>
           </a:p>
@@ -667,7 +667,7 @@
           <a:p>
             <a:fld id="{EC599A8C-E15F-453B-9A2E-7E4A9F990082}" type="datetimeFigureOut">
               <a:rPr lang="fr-FR" smtClean="0"/>
-              <a:t>21/09/2021</a:t>
+              <a:t>11/10/2021</a:t>
             </a:fld>
             <a:endParaRPr lang="fr-FR"/>
           </a:p>
@@ -865,7 +865,7 @@
           <a:p>
             <a:fld id="{EC599A8C-E15F-453B-9A2E-7E4A9F990082}" type="datetimeFigureOut">
               <a:rPr lang="fr-FR" smtClean="0"/>
-              <a:t>21/09/2021</a:t>
+              <a:t>11/10/2021</a:t>
             </a:fld>
             <a:endParaRPr lang="fr-FR"/>
           </a:p>
@@ -1140,7 +1140,7 @@
           <a:p>
             <a:fld id="{EC599A8C-E15F-453B-9A2E-7E4A9F990082}" type="datetimeFigureOut">
               <a:rPr lang="fr-FR" smtClean="0"/>
-              <a:t>21/09/2021</a:t>
+              <a:t>11/10/2021</a:t>
             </a:fld>
             <a:endParaRPr lang="fr-FR"/>
           </a:p>
@@ -1405,7 +1405,7 @@
           <a:p>
             <a:fld id="{EC599A8C-E15F-453B-9A2E-7E4A9F990082}" type="datetimeFigureOut">
               <a:rPr lang="fr-FR" smtClean="0"/>
-              <a:t>21/09/2021</a:t>
+              <a:t>11/10/2021</a:t>
             </a:fld>
             <a:endParaRPr lang="fr-FR"/>
           </a:p>
@@ -1817,7 +1817,7 @@
           <a:p>
             <a:fld id="{EC599A8C-E15F-453B-9A2E-7E4A9F990082}" type="datetimeFigureOut">
               <a:rPr lang="fr-FR" smtClean="0"/>
-              <a:t>21/09/2021</a:t>
+              <a:t>11/10/2021</a:t>
             </a:fld>
             <a:endParaRPr lang="fr-FR"/>
           </a:p>
@@ -1958,7 +1958,7 @@
           <a:p>
             <a:fld id="{EC599A8C-E15F-453B-9A2E-7E4A9F990082}" type="datetimeFigureOut">
               <a:rPr lang="fr-FR" smtClean="0"/>
-              <a:t>21/09/2021</a:t>
+              <a:t>11/10/2021</a:t>
             </a:fld>
             <a:endParaRPr lang="fr-FR"/>
           </a:p>
@@ -2071,7 +2071,7 @@
           <a:p>
             <a:fld id="{EC599A8C-E15F-453B-9A2E-7E4A9F990082}" type="datetimeFigureOut">
               <a:rPr lang="fr-FR" smtClean="0"/>
-              <a:t>21/09/2021</a:t>
+              <a:t>11/10/2021</a:t>
             </a:fld>
             <a:endParaRPr lang="fr-FR"/>
           </a:p>
@@ -2382,7 +2382,7 @@
           <a:p>
             <a:fld id="{EC599A8C-E15F-453B-9A2E-7E4A9F990082}" type="datetimeFigureOut">
               <a:rPr lang="fr-FR" smtClean="0"/>
-              <a:t>21/09/2021</a:t>
+              <a:t>11/10/2021</a:t>
             </a:fld>
             <a:endParaRPr lang="fr-FR"/>
           </a:p>
@@ -2670,7 +2670,7 @@
           <a:p>
             <a:fld id="{EC599A8C-E15F-453B-9A2E-7E4A9F990082}" type="datetimeFigureOut">
               <a:rPr lang="fr-FR" smtClean="0"/>
-              <a:t>21/09/2021</a:t>
+              <a:t>11/10/2021</a:t>
             </a:fld>
             <a:endParaRPr lang="fr-FR"/>
           </a:p>
@@ -2911,7 +2911,7 @@
           <a:p>
             <a:fld id="{EC599A8C-E15F-453B-9A2E-7E4A9F990082}" type="datetimeFigureOut">
               <a:rPr lang="fr-FR" smtClean="0"/>
-              <a:t>21/09/2021</a:t>
+              <a:t>11/10/2021</a:t>
             </a:fld>
             <a:endParaRPr lang="fr-FR"/>
           </a:p>
@@ -3463,7 +3463,7 @@
         </p:nvSpPr>
         <p:spPr>
           <a:xfrm>
-            <a:off x="-38468" y="2274838"/>
+            <a:off x="-38467" y="2274838"/>
             <a:ext cx="12268936" cy="2308324"/>
           </a:xfrm>
           <a:prstGeom prst="rect">
@@ -3479,15 +3479,30 @@
           <a:p>
             <a:pPr algn="ctr"/>
             <a:r>
-              <a:rPr lang="fr-FR" sz="7200" b="1" dirty="0"/>
+              <a:rPr lang="fr-FR" sz="7200" b="1" dirty="0">
+                <a:solidFill>
+                  <a:schemeClr val="bg1"/>
+                </a:solidFill>
+                <a:highlight>
+                  <a:srgbClr val="FF0000"/>
+                </a:highlight>
+              </a:rPr>
               <a:t>EXPERIMENTATION EN COURS</a:t>
             </a:r>
           </a:p>
           <a:p>
             <a:pPr algn="ctr"/>
             <a:r>
+              <a:rPr lang="fr-FR" sz="7200" dirty="0">
+                <a:highlight>
+                  <a:srgbClr val="FF0000"/>
+                </a:highlight>
+              </a:rPr>
+              <a:t>Ne </a:t>
+            </a:r>
+            <a:r>
               <a:rPr lang="fr-FR" sz="7200" dirty="0"/>
-              <a:t>Ne pas déranger, merci d’avance</a:t>
+              <a:t>pas déranger, merci d’avance</a:t>
             </a:r>
           </a:p>
         </p:txBody>
